--- a/asset/ppt/ch05.pptx
+++ b/asset/ppt/ch05.pptx
@@ -6,6 +6,7 @@
   </p:sldMasterIdLst>
   <p:sldIdLst>
     <p:sldId id="257" r:id="rId2"/>
+    <p:sldId id="258" r:id="rId3"/>
   </p:sldIdLst>
   <p:sldSz cx="12192000" cy="6858000"/>
   <p:notesSz cx="6858000" cy="9144000"/>
@@ -259,7 +260,7 @@
           <a:p>
             <a:fld id="{89851C12-1240-5B46-BD94-A3C3FBB79758}" type="datetimeFigureOut">
               <a:rPr kumimoji="1" lang="zh-TW" altLang="en-US" smtClean="0"/>
-              <a:t>2026/1/19</a:t>
+              <a:t>2026/1/20</a:t>
             </a:fld>
             <a:endParaRPr kumimoji="1" lang="zh-TW" altLang="en-US"/>
           </a:p>
@@ -457,7 +458,7 @@
           <a:p>
             <a:fld id="{89851C12-1240-5B46-BD94-A3C3FBB79758}" type="datetimeFigureOut">
               <a:rPr kumimoji="1" lang="zh-TW" altLang="en-US" smtClean="0"/>
-              <a:t>2026/1/19</a:t>
+              <a:t>2026/1/20</a:t>
             </a:fld>
             <a:endParaRPr kumimoji="1" lang="zh-TW" altLang="en-US"/>
           </a:p>
@@ -665,7 +666,7 @@
           <a:p>
             <a:fld id="{89851C12-1240-5B46-BD94-A3C3FBB79758}" type="datetimeFigureOut">
               <a:rPr kumimoji="1" lang="zh-TW" altLang="en-US" smtClean="0"/>
-              <a:t>2026/1/19</a:t>
+              <a:t>2026/1/20</a:t>
             </a:fld>
             <a:endParaRPr kumimoji="1" lang="zh-TW" altLang="en-US"/>
           </a:p>
@@ -863,7 +864,7 @@
           <a:p>
             <a:fld id="{89851C12-1240-5B46-BD94-A3C3FBB79758}" type="datetimeFigureOut">
               <a:rPr kumimoji="1" lang="zh-TW" altLang="en-US" smtClean="0"/>
-              <a:t>2026/1/19</a:t>
+              <a:t>2026/1/20</a:t>
             </a:fld>
             <a:endParaRPr kumimoji="1" lang="zh-TW" altLang="en-US"/>
           </a:p>
@@ -1138,7 +1139,7 @@
           <a:p>
             <a:fld id="{89851C12-1240-5B46-BD94-A3C3FBB79758}" type="datetimeFigureOut">
               <a:rPr kumimoji="1" lang="zh-TW" altLang="en-US" smtClean="0"/>
-              <a:t>2026/1/19</a:t>
+              <a:t>2026/1/20</a:t>
             </a:fld>
             <a:endParaRPr kumimoji="1" lang="zh-TW" altLang="en-US"/>
           </a:p>
@@ -1403,7 +1404,7 @@
           <a:p>
             <a:fld id="{89851C12-1240-5B46-BD94-A3C3FBB79758}" type="datetimeFigureOut">
               <a:rPr kumimoji="1" lang="zh-TW" altLang="en-US" smtClean="0"/>
-              <a:t>2026/1/19</a:t>
+              <a:t>2026/1/20</a:t>
             </a:fld>
             <a:endParaRPr kumimoji="1" lang="zh-TW" altLang="en-US"/>
           </a:p>
@@ -1815,7 +1816,7 @@
           <a:p>
             <a:fld id="{89851C12-1240-5B46-BD94-A3C3FBB79758}" type="datetimeFigureOut">
               <a:rPr kumimoji="1" lang="zh-TW" altLang="en-US" smtClean="0"/>
-              <a:t>2026/1/19</a:t>
+              <a:t>2026/1/20</a:t>
             </a:fld>
             <a:endParaRPr kumimoji="1" lang="zh-TW" altLang="en-US"/>
           </a:p>
@@ -1956,7 +1957,7 @@
           <a:p>
             <a:fld id="{89851C12-1240-5B46-BD94-A3C3FBB79758}" type="datetimeFigureOut">
               <a:rPr kumimoji="1" lang="zh-TW" altLang="en-US" smtClean="0"/>
-              <a:t>2026/1/19</a:t>
+              <a:t>2026/1/20</a:t>
             </a:fld>
             <a:endParaRPr kumimoji="1" lang="zh-TW" altLang="en-US"/>
           </a:p>
@@ -2069,7 +2070,7 @@
           <a:p>
             <a:fld id="{89851C12-1240-5B46-BD94-A3C3FBB79758}" type="datetimeFigureOut">
               <a:rPr kumimoji="1" lang="zh-TW" altLang="en-US" smtClean="0"/>
-              <a:t>2026/1/19</a:t>
+              <a:t>2026/1/20</a:t>
             </a:fld>
             <a:endParaRPr kumimoji="1" lang="zh-TW" altLang="en-US"/>
           </a:p>
@@ -2380,7 +2381,7 @@
           <a:p>
             <a:fld id="{89851C12-1240-5B46-BD94-A3C3FBB79758}" type="datetimeFigureOut">
               <a:rPr kumimoji="1" lang="zh-TW" altLang="en-US" smtClean="0"/>
-              <a:t>2026/1/19</a:t>
+              <a:t>2026/1/20</a:t>
             </a:fld>
             <a:endParaRPr kumimoji="1" lang="zh-TW" altLang="en-US"/>
           </a:p>
@@ -2668,7 +2669,7 @@
           <a:p>
             <a:fld id="{89851C12-1240-5B46-BD94-A3C3FBB79758}" type="datetimeFigureOut">
               <a:rPr kumimoji="1" lang="zh-TW" altLang="en-US" smtClean="0"/>
-              <a:t>2026/1/19</a:t>
+              <a:t>2026/1/20</a:t>
             </a:fld>
             <a:endParaRPr kumimoji="1" lang="zh-TW" altLang="en-US"/>
           </a:p>
@@ -2909,7 +2910,7 @@
           <a:p>
             <a:fld id="{89851C12-1240-5B46-BD94-A3C3FBB79758}" type="datetimeFigureOut">
               <a:rPr kumimoji="1" lang="zh-TW" altLang="en-US" smtClean="0"/>
-              <a:t>2026/1/19</a:t>
+              <a:t>2026/1/20</a:t>
             </a:fld>
             <a:endParaRPr kumimoji="1" lang="zh-TW" altLang="en-US"/>
           </a:p>
@@ -3843,6 +3844,110 @@
     <p:extLst>
       <p:ext uri="{BB962C8B-B14F-4D97-AF65-F5344CB8AC3E}">
         <p14:creationId xmlns:p14="http://schemas.microsoft.com/office/powerpoint/2010/main" val="3588726358"/>
+      </p:ext>
+    </p:extLst>
+  </p:cSld>
+  <p:clrMapOvr>
+    <a:masterClrMapping/>
+  </p:clrMapOvr>
+</p:sld>
+</file>
+
+<file path=ppt/slides/slide2.xml><?xml version="1.0" encoding="utf-8"?>
+<p:sld xmlns:a="http://schemas.openxmlformats.org/drawingml/2006/main" xmlns:r="http://schemas.openxmlformats.org/officeDocument/2006/relationships" xmlns:p="http://schemas.openxmlformats.org/presentationml/2006/main">
+  <p:cSld>
+    <p:spTree>
+      <p:nvGrpSpPr>
+        <p:cNvPr id="1" name=""/>
+        <p:cNvGrpSpPr/>
+        <p:nvPr/>
+      </p:nvGrpSpPr>
+      <p:grpSpPr>
+        <a:xfrm>
+          <a:off x="0" y="0"/>
+          <a:ext cx="0" cy="0"/>
+          <a:chOff x="0" y="0"/>
+          <a:chExt cx="0" cy="0"/>
+        </a:xfrm>
+      </p:grpSpPr>
+      <p:pic>
+        <p:nvPicPr>
+          <p:cNvPr id="2" name="圖片 1">
+            <a:extLst>
+              <a:ext uri="{FF2B5EF4-FFF2-40B4-BE49-F238E27FC236}">
+                <a16:creationId xmlns:a16="http://schemas.microsoft.com/office/drawing/2014/main" id="{66425AAF-5811-126A-0B7A-5D6B1E77B1A1}"/>
+              </a:ext>
+            </a:extLst>
+          </p:cNvPr>
+          <p:cNvPicPr>
+            <a:picLocks noChangeAspect="1"/>
+          </p:cNvPicPr>
+          <p:nvPr/>
+        </p:nvPicPr>
+        <p:blipFill>
+          <a:blip r:embed="rId2"/>
+          <a:stretch>
+            <a:fillRect/>
+          </a:stretch>
+        </p:blipFill>
+        <p:spPr>
+          <a:xfrm>
+            <a:off x="1838813" y="442693"/>
+            <a:ext cx="5829300" cy="3606800"/>
+          </a:xfrm>
+          <a:prstGeom prst="rect">
+            <a:avLst/>
+          </a:prstGeom>
+        </p:spPr>
+      </p:pic>
+      <p:sp>
+        <p:nvSpPr>
+          <p:cNvPr id="4" name="文字方塊 3">
+            <a:extLst>
+              <a:ext uri="{FF2B5EF4-FFF2-40B4-BE49-F238E27FC236}">
+                <a16:creationId xmlns:a16="http://schemas.microsoft.com/office/drawing/2014/main" id="{9441644D-35F1-5D4C-88E8-50319C542FC9}"/>
+              </a:ext>
+            </a:extLst>
+          </p:cNvPr>
+          <p:cNvSpPr txBox="1"/>
+          <p:nvPr/>
+        </p:nvSpPr>
+        <p:spPr>
+          <a:xfrm>
+            <a:off x="5617511" y="4049493"/>
+            <a:ext cx="1939737" cy="276999"/>
+          </a:xfrm>
+          <a:prstGeom prst="rect">
+            <a:avLst/>
+          </a:prstGeom>
+          <a:noFill/>
+        </p:spPr>
+        <p:txBody>
+          <a:bodyPr wrap="square">
+            <a:spAutoFit/>
+          </a:bodyPr>
+          <a:lstStyle/>
+          <a:p>
+            <a:pPr>
+              <a:buNone/>
+            </a:pPr>
+            <a:r>
+              <a:rPr lang="en-US" altLang="zh-TW" sz="1200" dirty="0">
+                <a:solidFill>
+                  <a:srgbClr val="000000"/>
+                </a:solidFill>
+                <a:effectLst/>
+                <a:latin typeface="Times New Roman" panose="02020603050405020304" pitchFamily="18" charset="0"/>
+              </a:rPr>
+              <a:t>Carrano and Henry, 2016)</a:t>
+            </a:r>
+          </a:p>
+        </p:txBody>
+      </p:sp>
+    </p:spTree>
+    <p:extLst>
+      <p:ext uri="{BB962C8B-B14F-4D97-AF65-F5344CB8AC3E}">
+        <p14:creationId xmlns:p14="http://schemas.microsoft.com/office/powerpoint/2010/main" val="535154458"/>
       </p:ext>
     </p:extLst>
   </p:cSld>
